--- a/teaching/cs513-autocps-fall-2024/slides/Perception.pptx
+++ b/teaching/cs513-autocps-fall-2024/slides/Perception.pptx
@@ -5,10 +5,10 @@
     <p:sldMasterId id="2147483648" r:id="rId1"/>
   </p:sldMasterIdLst>
   <p:notesMasterIdLst>
-    <p:notesMasterId r:id="rId30"/>
+    <p:notesMasterId r:id="rId32"/>
   </p:notesMasterIdLst>
   <p:handoutMasterIdLst>
-    <p:handoutMasterId r:id="rId31"/>
+    <p:handoutMasterId r:id="rId33"/>
   </p:handoutMasterIdLst>
   <p:sldIdLst>
     <p:sldId id="256" r:id="rId2"/>
@@ -19,26 +19,28 @@
     <p:sldId id="406" r:id="rId7"/>
     <p:sldId id="407" r:id="rId8"/>
     <p:sldId id="409" r:id="rId9"/>
-    <p:sldId id="383" r:id="rId10"/>
-    <p:sldId id="358" r:id="rId11"/>
-    <p:sldId id="359" r:id="rId12"/>
-    <p:sldId id="366" r:id="rId13"/>
-    <p:sldId id="361" r:id="rId14"/>
-    <p:sldId id="367" r:id="rId15"/>
-    <p:sldId id="368" r:id="rId16"/>
-    <p:sldId id="396" r:id="rId17"/>
-    <p:sldId id="369" r:id="rId18"/>
-    <p:sldId id="363" r:id="rId19"/>
-    <p:sldId id="397" r:id="rId20"/>
-    <p:sldId id="398" r:id="rId21"/>
-    <p:sldId id="401" r:id="rId22"/>
-    <p:sldId id="391" r:id="rId23"/>
-    <p:sldId id="392" r:id="rId24"/>
-    <p:sldId id="393" r:id="rId25"/>
-    <p:sldId id="410" r:id="rId26"/>
-    <p:sldId id="360" r:id="rId27"/>
-    <p:sldId id="411" r:id="rId28"/>
-    <p:sldId id="364" r:id="rId29"/>
+    <p:sldId id="422" r:id="rId10"/>
+    <p:sldId id="423" r:id="rId11"/>
+    <p:sldId id="383" r:id="rId12"/>
+    <p:sldId id="358" r:id="rId13"/>
+    <p:sldId id="359" r:id="rId14"/>
+    <p:sldId id="366" r:id="rId15"/>
+    <p:sldId id="361" r:id="rId16"/>
+    <p:sldId id="367" r:id="rId17"/>
+    <p:sldId id="368" r:id="rId18"/>
+    <p:sldId id="396" r:id="rId19"/>
+    <p:sldId id="369" r:id="rId20"/>
+    <p:sldId id="363" r:id="rId21"/>
+    <p:sldId id="397" r:id="rId22"/>
+    <p:sldId id="398" r:id="rId23"/>
+    <p:sldId id="401" r:id="rId24"/>
+    <p:sldId id="391" r:id="rId25"/>
+    <p:sldId id="392" r:id="rId26"/>
+    <p:sldId id="393" r:id="rId27"/>
+    <p:sldId id="410" r:id="rId28"/>
+    <p:sldId id="360" r:id="rId29"/>
+    <p:sldId id="411" r:id="rId30"/>
+    <p:sldId id="364" r:id="rId31"/>
   </p:sldIdLst>
   <p:sldSz cx="12192000" cy="6858000"/>
   <p:notesSz cx="6858000" cy="9144000"/>
@@ -253,7 +255,7 @@
           <a:p>
             <a:fld id="{459B985A-4C37-4D1F-A437-E4A951A85D11}" type="datetimeFigureOut">
               <a:rPr lang="en-US" smtClean="0"/>
-              <a:t>11/20/2023</a:t>
+              <a:t>11/25/2024</a:t>
             </a:fld>
             <a:endParaRPr lang="en-US" dirty="0"/>
           </a:p>
@@ -430,7 +432,7 @@
           <a:p>
             <a:fld id="{6580C23F-98B7-41D4-A9FA-15A275A51486}" type="datetimeFigureOut">
               <a:rPr lang="en-US" smtClean="0"/>
-              <a:t>11/20/2023</a:t>
+              <a:t>11/25/2024</a:t>
             </a:fld>
             <a:endParaRPr lang="en-US" dirty="0"/>
           </a:p>
@@ -762,7 +764,7 @@
           <a:p>
             <a:fld id="{E586B107-AA8F-4C65-A94C-468C6EEC3A14}" type="slidenum">
               <a:rPr lang="en-US" smtClean="0"/>
-              <a:t>26</a:t>
+              <a:t>28</a:t>
             </a:fld>
             <a:endParaRPr lang="en-US" dirty="0"/>
           </a:p>
@@ -1151,7 +1153,7 @@
           <p:nvPr userDrawn="1"/>
         </p:nvPicPr>
         <mc:AlternateContent xmlns:mc="http://schemas.openxmlformats.org/markup-compatibility/2006">
-          <mc:Choice xmlns="" xmlns:mv="urn:schemas-microsoft-com:mac:vml" xmlns:ma="http://schemas.microsoft.com/office/mac/drawingml/2008/main" Requires="ma">
+          <mc:Choice xmlns:ma="http://schemas.microsoft.com/office/mac/drawingml/2008/main" xmlns:mv="urn:schemas-microsoft-com:mac:vml" xmlns="" Requires="ma">
             <p:blipFill>
               <a:blip r:embed="rId3"/>
               <a:stretch>
@@ -2121,7 +2123,7 @@
           <a:p>
             <a:r>
               <a:rPr lang="en-US" dirty="0"/>
-              <a:t>Fall 2023 CS 513.</a:t>
+              <a:t>Fall 2024 CS 513.</a:t>
             </a:r>
           </a:p>
           <a:p>
@@ -2167,6 +2169,359 @@
           <p:cNvPr id="2" name="Content Placeholder 1">
             <a:extLst>
               <a:ext uri="{FF2B5EF4-FFF2-40B4-BE49-F238E27FC236}">
+                <a16:creationId xmlns:a16="http://schemas.microsoft.com/office/drawing/2014/main" id="{C5311C0F-7BCF-9C29-15D6-046B1745685F}"/>
+              </a:ext>
+            </a:extLst>
+          </p:cNvPr>
+          <p:cNvSpPr>
+            <a:spLocks noGrp="1"/>
+          </p:cNvSpPr>
+          <p:nvPr>
+            <p:ph idx="1"/>
+          </p:nvPr>
+        </p:nvSpPr>
+        <p:spPr/>
+        <p:txBody>
+          <a:bodyPr/>
+          <a:lstStyle/>
+          <a:p>
+            <a:r>
+              <a:rPr lang="en-US" dirty="0"/>
+              <a:t>Given two different point clouds, how do we “fuse” them to have a uniform view?</a:t>
+            </a:r>
+          </a:p>
+          <a:p>
+            <a:r>
+              <a:rPr lang="en-US" dirty="0"/>
+              <a:t>Two main steps:</a:t>
+            </a:r>
+          </a:p>
+          <a:p>
+            <a:pPr lvl="1"/>
+            <a:r>
+              <a:rPr lang="en-US" dirty="0"/>
+              <a:t>Correspondence: figure out which points </a:t>
+            </a:r>
+            <a:r>
+              <a:rPr lang="en-US" i="1" dirty="0"/>
+              <a:t>correspond</a:t>
+            </a:r>
+            <a:r>
+              <a:rPr lang="en-US" dirty="0"/>
+              <a:t> to each other</a:t>
+            </a:r>
+          </a:p>
+          <a:p>
+            <a:pPr lvl="1"/>
+            <a:r>
+              <a:rPr lang="en-US" dirty="0"/>
+              <a:t>Transformation: map one point cloud to the other’s coordinate frame</a:t>
+            </a:r>
+          </a:p>
+          <a:p>
+            <a:pPr lvl="2"/>
+            <a:r>
+              <a:rPr lang="en-US" dirty="0"/>
+              <a:t>Rigid (translation/rotation) or Non-rigid (Scaling/shear mapping)</a:t>
+            </a:r>
+          </a:p>
+          <a:p>
+            <a:r>
+              <a:rPr lang="en-US" dirty="0"/>
+              <a:t>Algorithms for doing point cloud alignment?</a:t>
+            </a:r>
+          </a:p>
+          <a:p>
+            <a:pPr lvl="1"/>
+            <a:r>
+              <a:rPr lang="en-US" dirty="0"/>
+              <a:t>Iterative closest point (ICP) [Chen &amp; Medioni, </a:t>
+            </a:r>
+            <a:r>
+              <a:rPr lang="en-US" dirty="0" err="1"/>
+              <a:t>Besl</a:t>
+            </a:r>
+            <a:r>
+              <a:rPr lang="en-US" dirty="0"/>
+              <a:t> &amp; McKay]</a:t>
+            </a:r>
+          </a:p>
+          <a:p>
+            <a:pPr lvl="1"/>
+            <a:r>
+              <a:rPr lang="en-US" dirty="0"/>
+              <a:t>Feature-based matching (color, intensity, reflectance, etc.)</a:t>
+            </a:r>
+          </a:p>
+          <a:p>
+            <a:pPr lvl="1"/>
+            <a:r>
+              <a:rPr lang="en-US" dirty="0"/>
+              <a:t>Deep Learning-based techniques</a:t>
+            </a:r>
+          </a:p>
+          <a:p>
+            <a:endParaRPr lang="en-US" dirty="0"/>
+          </a:p>
+        </p:txBody>
+      </p:sp>
+      <p:sp>
+        <p:nvSpPr>
+          <p:cNvPr id="3" name="Title 2">
+            <a:extLst>
+              <a:ext uri="{FF2B5EF4-FFF2-40B4-BE49-F238E27FC236}">
+                <a16:creationId xmlns:a16="http://schemas.microsoft.com/office/drawing/2014/main" id="{71ED6AC2-4AF2-3B63-7099-4597C2BAB59D}"/>
+              </a:ext>
+            </a:extLst>
+          </p:cNvPr>
+          <p:cNvSpPr>
+            <a:spLocks noGrp="1"/>
+          </p:cNvSpPr>
+          <p:nvPr>
+            <p:ph type="title"/>
+          </p:nvPr>
+        </p:nvSpPr>
+        <p:spPr/>
+        <p:txBody>
+          <a:bodyPr/>
+          <a:lstStyle/>
+          <a:p>
+            <a:r>
+              <a:rPr lang="en-US" dirty="0"/>
+              <a:t>Point cloud alignment	</a:t>
+            </a:r>
+          </a:p>
+        </p:txBody>
+      </p:sp>
+      <p:sp>
+        <p:nvSpPr>
+          <p:cNvPr id="4" name="Slide Number Placeholder 3">
+            <a:extLst>
+              <a:ext uri="{FF2B5EF4-FFF2-40B4-BE49-F238E27FC236}">
+                <a16:creationId xmlns:a16="http://schemas.microsoft.com/office/drawing/2014/main" id="{9C9A8312-7247-412D-F214-98C296C3F13E}"/>
+              </a:ext>
+            </a:extLst>
+          </p:cNvPr>
+          <p:cNvSpPr>
+            <a:spLocks noGrp="1"/>
+          </p:cNvSpPr>
+          <p:nvPr>
+            <p:ph type="sldNum" sz="quarter" idx="12"/>
+          </p:nvPr>
+        </p:nvSpPr>
+        <p:spPr/>
+        <p:txBody>
+          <a:bodyPr/>
+          <a:lstStyle/>
+          <a:p>
+            <a:fld id="{29AAD378-655A-49C6-813C-9FD132EF7440}" type="slidenum">
+              <a:rPr lang="en-US" smtClean="0"/>
+              <a:pPr/>
+              <a:t>10</a:t>
+            </a:fld>
+            <a:endParaRPr lang="en-US" dirty="0"/>
+          </a:p>
+        </p:txBody>
+      </p:sp>
+    </p:spTree>
+    <p:extLst>
+      <p:ext uri="{BB962C8B-B14F-4D97-AF65-F5344CB8AC3E}">
+        <p14:creationId xmlns:p14="http://schemas.microsoft.com/office/powerpoint/2010/main" val="1777792111"/>
+      </p:ext>
+    </p:extLst>
+  </p:cSld>
+  <p:clrMapOvr>
+    <a:masterClrMapping/>
+  </p:clrMapOvr>
+</p:sld>
+</file>
+
+<file path=ppt/slides/slide11.xml><?xml version="1.0" encoding="utf-8"?>
+<p:sld xmlns:a="http://schemas.openxmlformats.org/drawingml/2006/main" xmlns:r="http://schemas.openxmlformats.org/officeDocument/2006/relationships" xmlns:p="http://schemas.openxmlformats.org/presentationml/2006/main">
+  <p:cSld>
+    <p:spTree>
+      <p:nvGrpSpPr>
+        <p:cNvPr id="1" name=""/>
+        <p:cNvGrpSpPr/>
+        <p:nvPr/>
+      </p:nvGrpSpPr>
+      <p:grpSpPr>
+        <a:xfrm>
+          <a:off x="0" y="0"/>
+          <a:ext cx="0" cy="0"/>
+          <a:chOff x="0" y="0"/>
+          <a:chExt cx="0" cy="0"/>
+        </a:xfrm>
+      </p:grpSpPr>
+      <p:sp>
+        <p:nvSpPr>
+          <p:cNvPr id="2" name="Content Placeholder 1">
+            <a:extLst>
+              <a:ext uri="{FF2B5EF4-FFF2-40B4-BE49-F238E27FC236}">
+                <a16:creationId xmlns:a16="http://schemas.microsoft.com/office/drawing/2014/main" id="{5A26ACBF-B8D5-4201-AE9C-B4FFF0664B0E}"/>
+              </a:ext>
+            </a:extLst>
+          </p:cNvPr>
+          <p:cNvSpPr>
+            <a:spLocks noGrp="1"/>
+          </p:cNvSpPr>
+          <p:nvPr>
+            <p:ph idx="1"/>
+          </p:nvPr>
+        </p:nvSpPr>
+        <p:spPr/>
+        <p:txBody>
+          <a:bodyPr/>
+          <a:lstStyle/>
+          <a:p>
+            <a:r>
+              <a:rPr lang="en-US" dirty="0"/>
+              <a:t>Detection of segmented clusters from LIDAR data is done using traditional machine learning algorithms as well as deep learning</a:t>
+            </a:r>
+          </a:p>
+          <a:p>
+            <a:r>
+              <a:rPr lang="en-US" dirty="0"/>
+              <a:t>Detection from images (camera data)</a:t>
+            </a:r>
+          </a:p>
+          <a:p>
+            <a:pPr lvl="1"/>
+            <a:r>
+              <a:rPr lang="en-US" dirty="0"/>
+              <a:t>Lane line marking detection</a:t>
+            </a:r>
+          </a:p>
+          <a:p>
+            <a:pPr lvl="1"/>
+            <a:r>
+              <a:rPr lang="en-US" dirty="0"/>
+              <a:t>Drivable path detection</a:t>
+            </a:r>
+          </a:p>
+          <a:p>
+            <a:pPr lvl="1"/>
+            <a:r>
+              <a:rPr lang="en-US" dirty="0"/>
+              <a:t>Object detection</a:t>
+            </a:r>
+          </a:p>
+          <a:p>
+            <a:pPr lvl="1"/>
+            <a:r>
+              <a:rPr lang="en-US" dirty="0"/>
+              <a:t>Distances to obstacles</a:t>
+            </a:r>
+          </a:p>
+          <a:p>
+            <a:pPr lvl="1"/>
+            <a:r>
+              <a:rPr lang="en-US" dirty="0"/>
+              <a:t>Semantic segmentation</a:t>
+            </a:r>
+          </a:p>
+          <a:p>
+            <a:pPr lvl="1"/>
+            <a:r>
+              <a:rPr lang="en-US" dirty="0"/>
+              <a:t>Scenario identification</a:t>
+            </a:r>
+          </a:p>
+        </p:txBody>
+      </p:sp>
+      <p:sp>
+        <p:nvSpPr>
+          <p:cNvPr id="3" name="Title 2">
+            <a:extLst>
+              <a:ext uri="{FF2B5EF4-FFF2-40B4-BE49-F238E27FC236}">
+                <a16:creationId xmlns:a16="http://schemas.microsoft.com/office/drawing/2014/main" id="{7E3A1EA6-B75D-44B4-B21A-9C6CEECB8723}"/>
+              </a:ext>
+            </a:extLst>
+          </p:cNvPr>
+          <p:cNvSpPr>
+            <a:spLocks noGrp="1"/>
+          </p:cNvSpPr>
+          <p:nvPr>
+            <p:ph type="title"/>
+          </p:nvPr>
+        </p:nvSpPr>
+        <p:spPr/>
+        <p:txBody>
+          <a:bodyPr/>
+          <a:lstStyle/>
+          <a:p>
+            <a:r>
+              <a:rPr lang="en-US" dirty="0"/>
+              <a:t>Detection algorithms for video/spatial data</a:t>
+            </a:r>
+          </a:p>
+        </p:txBody>
+      </p:sp>
+      <p:sp>
+        <p:nvSpPr>
+          <p:cNvPr id="4" name="Slide Number Placeholder 3">
+            <a:extLst>
+              <a:ext uri="{FF2B5EF4-FFF2-40B4-BE49-F238E27FC236}">
+                <a16:creationId xmlns:a16="http://schemas.microsoft.com/office/drawing/2014/main" id="{6E4C938D-54AE-464C-BE2F-2754B2A1DB58}"/>
+              </a:ext>
+            </a:extLst>
+          </p:cNvPr>
+          <p:cNvSpPr>
+            <a:spLocks noGrp="1"/>
+          </p:cNvSpPr>
+          <p:nvPr>
+            <p:ph type="sldNum" sz="quarter" idx="12"/>
+          </p:nvPr>
+        </p:nvSpPr>
+        <p:spPr/>
+        <p:txBody>
+          <a:bodyPr/>
+          <a:lstStyle/>
+          <a:p>
+            <a:fld id="{29AAD378-655A-49C6-813C-9FD132EF7440}" type="slidenum">
+              <a:rPr lang="en-US" smtClean="0"/>
+              <a:pPr/>
+              <a:t>11</a:t>
+            </a:fld>
+            <a:endParaRPr lang="en-US" dirty="0"/>
+          </a:p>
+        </p:txBody>
+      </p:sp>
+    </p:spTree>
+    <p:extLst>
+      <p:ext uri="{BB962C8B-B14F-4D97-AF65-F5344CB8AC3E}">
+        <p14:creationId xmlns:p14="http://schemas.microsoft.com/office/powerpoint/2010/main" val="702246366"/>
+      </p:ext>
+    </p:extLst>
+  </p:cSld>
+  <p:clrMapOvr>
+    <a:masterClrMapping/>
+  </p:clrMapOvr>
+</p:sld>
+</file>
+
+<file path=ppt/slides/slide12.xml><?xml version="1.0" encoding="utf-8"?>
+<p:sld xmlns:a="http://schemas.openxmlformats.org/drawingml/2006/main" xmlns:r="http://schemas.openxmlformats.org/officeDocument/2006/relationships" xmlns:p="http://schemas.openxmlformats.org/presentationml/2006/main">
+  <p:cSld>
+    <p:spTree>
+      <p:nvGrpSpPr>
+        <p:cNvPr id="1" name=""/>
+        <p:cNvGrpSpPr/>
+        <p:nvPr/>
+      </p:nvGrpSpPr>
+      <p:grpSpPr>
+        <a:xfrm>
+          <a:off x="0" y="0"/>
+          <a:ext cx="0" cy="0"/>
+          <a:chOff x="0" y="0"/>
+          <a:chExt cx="0" cy="0"/>
+        </a:xfrm>
+      </p:grpSpPr>
+      <p:sp>
+        <p:nvSpPr>
+          <p:cNvPr id="2" name="Content Placeholder 1">
+            <a:extLst>
+              <a:ext uri="{FF2B5EF4-FFF2-40B4-BE49-F238E27FC236}">
                 <a16:creationId xmlns:a16="http://schemas.microsoft.com/office/drawing/2014/main" id="{4D498F01-17E5-4DE0-8453-935E53383F1C}"/>
               </a:ext>
             </a:extLst>
@@ -2293,7 +2648,7 @@
             <a:fld id="{29AAD378-655A-49C6-813C-9FD132EF7440}" type="slidenum">
               <a:rPr lang="en-US" smtClean="0"/>
               <a:pPr/>
-              <a:t>10</a:t>
+              <a:t>12</a:t>
             </a:fld>
             <a:endParaRPr lang="en-US" dirty="0"/>
           </a:p>
@@ -2312,7 +2667,7 @@
 </p:sld>
 </file>
 
-<file path=ppt/slides/slide11.xml><?xml version="1.0" encoding="utf-8"?>
+<file path=ppt/slides/slide13.xml><?xml version="1.0" encoding="utf-8"?>
 <p:sld xmlns:a="http://schemas.openxmlformats.org/drawingml/2006/main" xmlns:r="http://schemas.openxmlformats.org/officeDocument/2006/relationships" xmlns:p="http://schemas.openxmlformats.org/presentationml/2006/main">
   <p:cSld>
     <p:spTree>
@@ -2446,7 +2801,7 @@
             <a:fld id="{29AAD378-655A-49C6-813C-9FD132EF7440}" type="slidenum">
               <a:rPr lang="en-US" smtClean="0"/>
               <a:pPr/>
-              <a:t>11</a:t>
+              <a:t>13</a:t>
             </a:fld>
             <a:endParaRPr lang="en-US" dirty="0"/>
           </a:p>
@@ -2656,7 +3011,7 @@
 </p:sld>
 </file>
 
-<file path=ppt/slides/slide12.xml><?xml version="1.0" encoding="utf-8"?>
+<file path=ppt/slides/slide14.xml><?xml version="1.0" encoding="utf-8"?>
 <p:sld xmlns:a="http://schemas.openxmlformats.org/drawingml/2006/main" xmlns:r="http://schemas.openxmlformats.org/officeDocument/2006/relationships" xmlns:p="http://schemas.openxmlformats.org/presentationml/2006/main">
   <p:cSld>
     <p:spTree>
@@ -3276,7 +3631,7 @@
             <a:fld id="{29AAD378-655A-49C6-813C-9FD132EF7440}" type="slidenum">
               <a:rPr lang="en-US" smtClean="0"/>
               <a:pPr/>
-              <a:t>12</a:t>
+              <a:t>14</a:t>
             </a:fld>
             <a:endParaRPr lang="en-US" dirty="0"/>
           </a:p>
@@ -3295,7 +3650,7 @@
 </p:sld>
 </file>
 
-<file path=ppt/slides/slide13.xml><?xml version="1.0" encoding="utf-8"?>
+<file path=ppt/slides/slide15.xml><?xml version="1.0" encoding="utf-8"?>
 <p:sld xmlns:a="http://schemas.openxmlformats.org/drawingml/2006/main" xmlns:r="http://schemas.openxmlformats.org/officeDocument/2006/relationships" xmlns:p="http://schemas.openxmlformats.org/presentationml/2006/main">
   <p:cSld>
     <p:spTree>
@@ -3437,7 +3792,7 @@
             <a:fld id="{29AAD378-655A-49C6-813C-9FD132EF7440}" type="slidenum">
               <a:rPr lang="en-US" smtClean="0"/>
               <a:pPr/>
-              <a:t>13</a:t>
+              <a:t>15</a:t>
             </a:fld>
             <a:endParaRPr lang="en-US" dirty="0"/>
           </a:p>
@@ -3456,7 +3811,7 @@
 </p:sld>
 </file>
 
-<file path=ppt/slides/slide14.xml><?xml version="1.0" encoding="utf-8"?>
+<file path=ppt/slides/slide16.xml><?xml version="1.0" encoding="utf-8"?>
 <p:sld xmlns:a="http://schemas.openxmlformats.org/drawingml/2006/main" xmlns:r="http://schemas.openxmlformats.org/officeDocument/2006/relationships" xmlns:p="http://schemas.openxmlformats.org/presentationml/2006/main">
   <p:cSld>
     <p:spTree>
@@ -3597,7 +3952,7 @@
             <a:fld id="{29AAD378-655A-49C6-813C-9FD132EF7440}" type="slidenum">
               <a:rPr lang="en-US" smtClean="0"/>
               <a:pPr/>
-              <a:t>14</a:t>
+              <a:t>16</a:t>
             </a:fld>
             <a:endParaRPr lang="en-US" dirty="0"/>
           </a:p>
@@ -3616,7 +3971,7 @@
 </p:sld>
 </file>
 
-<file path=ppt/slides/slide15.xml><?xml version="1.0" encoding="utf-8"?>
+<file path=ppt/slides/slide17.xml><?xml version="1.0" encoding="utf-8"?>
 <p:sld xmlns:a="http://schemas.openxmlformats.org/drawingml/2006/main" xmlns:r="http://schemas.openxmlformats.org/officeDocument/2006/relationships" xmlns:p="http://schemas.openxmlformats.org/presentationml/2006/main">
   <p:cSld>
     <p:spTree>
@@ -3918,7 +4273,7 @@
             <a:fld id="{29AAD378-655A-49C6-813C-9FD132EF7440}" type="slidenum">
               <a:rPr lang="en-US" smtClean="0"/>
               <a:pPr/>
-              <a:t>15</a:t>
+              <a:t>17</a:t>
             </a:fld>
             <a:endParaRPr lang="en-US" dirty="0"/>
           </a:p>
@@ -3937,7 +4292,7 @@
 </p:sld>
 </file>
 
-<file path=ppt/slides/slide16.xml><?xml version="1.0" encoding="utf-8"?>
+<file path=ppt/slides/slide18.xml><?xml version="1.0" encoding="utf-8"?>
 <p:sld xmlns:a="http://schemas.openxmlformats.org/drawingml/2006/main" xmlns:r="http://schemas.openxmlformats.org/officeDocument/2006/relationships" xmlns:p="http://schemas.openxmlformats.org/presentationml/2006/main">
   <p:cSld>
     <p:spTree>
@@ -4055,7 +4410,7 @@
             <a:fld id="{29AAD378-655A-49C6-813C-9FD132EF7440}" type="slidenum">
               <a:rPr lang="en-US" smtClean="0"/>
               <a:pPr/>
-              <a:t>16</a:t>
+              <a:t>18</a:t>
             </a:fld>
             <a:endParaRPr lang="en-US" dirty="0"/>
           </a:p>
@@ -4538,8 +4893,8 @@
           </a:p>
         </p:txBody>
       </p:sp>
-      <mc:AlternateContent xmlns:mc="http://schemas.openxmlformats.org/markup-compatibility/2006">
-        <mc:Choice xmlns:a14="http://schemas.microsoft.com/office/drawing/2010/main" Requires="a14">
+      <mc:AlternateContent xmlns:mc="http://schemas.openxmlformats.org/markup-compatibility/2006" xmlns:a14="http://schemas.microsoft.com/office/drawing/2010/main">
+        <mc:Choice Requires="a14">
           <p:sp>
             <p:nvSpPr>
               <p:cNvPr id="30" name="Content Placeholder 1">
@@ -4662,7 +5017,7 @@
             </p:txBody>
           </p:sp>
         </mc:Choice>
-        <mc:Fallback>
+        <mc:Fallback xmlns="">
           <p:sp>
             <p:nvSpPr>
               <p:cNvPr id="30" name="Content Placeholder 1">
@@ -4719,7 +5074,7 @@
 </p:sld>
 </file>
 
-<file path=ppt/slides/slide17.xml><?xml version="1.0" encoding="utf-8"?>
+<file path=ppt/slides/slide19.xml><?xml version="1.0" encoding="utf-8"?>
 <p:sld xmlns:a="http://schemas.openxmlformats.org/drawingml/2006/main" xmlns:r="http://schemas.openxmlformats.org/officeDocument/2006/relationships" xmlns:p="http://schemas.openxmlformats.org/presentationml/2006/main">
   <p:cSld>
     <p:spTree>
@@ -4854,7 +5209,7 @@
             <a:fld id="{29AAD378-655A-49C6-813C-9FD132EF7440}" type="slidenum">
               <a:rPr lang="en-US" smtClean="0"/>
               <a:pPr/>
-              <a:t>17</a:t>
+              <a:t>19</a:t>
             </a:fld>
             <a:endParaRPr lang="en-US" dirty="0"/>
           </a:p>
@@ -4864,313 +5219,6 @@
     <p:extLst>
       <p:ext uri="{BB962C8B-B14F-4D97-AF65-F5344CB8AC3E}">
         <p14:creationId xmlns:p14="http://schemas.microsoft.com/office/powerpoint/2010/main" val="2829000878"/>
-      </p:ext>
-    </p:extLst>
-  </p:cSld>
-  <p:clrMapOvr>
-    <a:masterClrMapping/>
-  </p:clrMapOvr>
-</p:sld>
-</file>
-
-<file path=ppt/slides/slide18.xml><?xml version="1.0" encoding="utf-8"?>
-<p:sld xmlns:a="http://schemas.openxmlformats.org/drawingml/2006/main" xmlns:r="http://schemas.openxmlformats.org/officeDocument/2006/relationships" xmlns:p="http://schemas.openxmlformats.org/presentationml/2006/main">
-  <p:cSld>
-    <p:spTree>
-      <p:nvGrpSpPr>
-        <p:cNvPr id="1" name=""/>
-        <p:cNvGrpSpPr/>
-        <p:nvPr/>
-      </p:nvGrpSpPr>
-      <p:grpSpPr>
-        <a:xfrm>
-          <a:off x="0" y="0"/>
-          <a:ext cx="0" cy="0"/>
-          <a:chOff x="0" y="0"/>
-          <a:chExt cx="0" cy="0"/>
-        </a:xfrm>
-      </p:grpSpPr>
-      <p:sp>
-        <p:nvSpPr>
-          <p:cNvPr id="2" name="Content Placeholder 1">
-            <a:extLst>
-              <a:ext uri="{FF2B5EF4-FFF2-40B4-BE49-F238E27FC236}">
-                <a16:creationId xmlns:a16="http://schemas.microsoft.com/office/drawing/2014/main" id="{478489FE-B1F5-44B4-9585-4232C1D67ABA}"/>
-              </a:ext>
-            </a:extLst>
-          </p:cNvPr>
-          <p:cNvSpPr>
-            <a:spLocks noGrp="1"/>
-          </p:cNvSpPr>
-          <p:nvPr>
-            <p:ph idx="1"/>
-          </p:nvPr>
-        </p:nvSpPr>
-        <p:spPr>
-          <a:xfrm>
-            <a:off x="166681" y="1809345"/>
-            <a:ext cx="11699087" cy="3874696"/>
-          </a:xfrm>
-        </p:spPr>
-        <p:txBody>
-          <a:bodyPr/>
-          <a:lstStyle/>
-          <a:p>
-            <a:r>
-              <a:rPr lang="en-US" dirty="0"/>
-              <a:t>CNNs may have some fully connected layers before the final output</a:t>
-            </a:r>
-          </a:p>
-          <a:p>
-            <a:r>
-              <a:rPr lang="en-US" dirty="0"/>
-              <a:t>These layers allows performing higher-level reasoning over different features learned by the previous convolutional layers</a:t>
-            </a:r>
-          </a:p>
-          <a:p>
-            <a:r>
-              <a:rPr lang="en-US" dirty="0"/>
-              <a:t>Various kind of convolution functions, pooling functions and detection functions are possible, giving rise to many different flavors</a:t>
-            </a:r>
-          </a:p>
-          <a:p>
-            <a:r>
-              <a:rPr lang="en-US" dirty="0"/>
-              <a:t>Number of convolutional layers can be varied depending on complexity of features to be learned</a:t>
-            </a:r>
-          </a:p>
-        </p:txBody>
-      </p:sp>
-      <p:sp>
-        <p:nvSpPr>
-          <p:cNvPr id="3" name="Title 2">
-            <a:extLst>
-              <a:ext uri="{FF2B5EF4-FFF2-40B4-BE49-F238E27FC236}">
-                <a16:creationId xmlns:a16="http://schemas.microsoft.com/office/drawing/2014/main" id="{8AD3EEC9-AE3E-4047-BD55-EC602BF5FC33}"/>
-              </a:ext>
-            </a:extLst>
-          </p:cNvPr>
-          <p:cNvSpPr>
-            <a:spLocks noGrp="1"/>
-          </p:cNvSpPr>
-          <p:nvPr>
-            <p:ph type="title"/>
-          </p:nvPr>
-        </p:nvSpPr>
-        <p:spPr/>
-        <p:txBody>
-          <a:bodyPr/>
-          <a:lstStyle/>
-          <a:p>
-            <a:r>
-              <a:rPr lang="en-US" dirty="0"/>
-              <a:t>Fully connected layers</a:t>
-            </a:r>
-          </a:p>
-        </p:txBody>
-      </p:sp>
-      <p:sp>
-        <p:nvSpPr>
-          <p:cNvPr id="4" name="Slide Number Placeholder 3">
-            <a:extLst>
-              <a:ext uri="{FF2B5EF4-FFF2-40B4-BE49-F238E27FC236}">
-                <a16:creationId xmlns:a16="http://schemas.microsoft.com/office/drawing/2014/main" id="{52D0CA2A-DE0D-4EDE-9E1E-C5D47DE8350D}"/>
-              </a:ext>
-            </a:extLst>
-          </p:cNvPr>
-          <p:cNvSpPr>
-            <a:spLocks noGrp="1"/>
-          </p:cNvSpPr>
-          <p:nvPr>
-            <p:ph type="sldNum" sz="quarter" idx="12"/>
-          </p:nvPr>
-        </p:nvSpPr>
-        <p:spPr/>
-        <p:txBody>
-          <a:bodyPr/>
-          <a:lstStyle/>
-          <a:p>
-            <a:fld id="{29AAD378-655A-49C6-813C-9FD132EF7440}" type="slidenum">
-              <a:rPr lang="en-US" smtClean="0"/>
-              <a:pPr/>
-              <a:t>18</a:t>
-            </a:fld>
-            <a:endParaRPr lang="en-US" dirty="0"/>
-          </a:p>
-        </p:txBody>
-      </p:sp>
-    </p:spTree>
-    <p:extLst>
-      <p:ext uri="{BB962C8B-B14F-4D97-AF65-F5344CB8AC3E}">
-        <p14:creationId xmlns:p14="http://schemas.microsoft.com/office/powerpoint/2010/main" val="1510474692"/>
-      </p:ext>
-    </p:extLst>
-  </p:cSld>
-  <p:clrMapOvr>
-    <a:masterClrMapping/>
-  </p:clrMapOvr>
-</p:sld>
-</file>
-
-<file path=ppt/slides/slide19.xml><?xml version="1.0" encoding="utf-8"?>
-<p:sld xmlns:a="http://schemas.openxmlformats.org/drawingml/2006/main" xmlns:r="http://schemas.openxmlformats.org/officeDocument/2006/relationships" xmlns:p="http://schemas.openxmlformats.org/presentationml/2006/main">
-  <p:cSld>
-    <p:spTree>
-      <p:nvGrpSpPr>
-        <p:cNvPr id="1" name=""/>
-        <p:cNvGrpSpPr/>
-        <p:nvPr/>
-      </p:nvGrpSpPr>
-      <p:grpSpPr>
-        <a:xfrm>
-          <a:off x="0" y="0"/>
-          <a:ext cx="0" cy="0"/>
-          <a:chOff x="0" y="0"/>
-          <a:chExt cx="0" cy="0"/>
-        </a:xfrm>
-      </p:grpSpPr>
-      <p:sp>
-        <p:nvSpPr>
-          <p:cNvPr id="2" name="Content Placeholder 1">
-            <a:extLst>
-              <a:ext uri="{FF2B5EF4-FFF2-40B4-BE49-F238E27FC236}">
-                <a16:creationId xmlns:a16="http://schemas.microsoft.com/office/drawing/2014/main" id="{4B08BB18-3755-4038-899E-E11F776763D4}"/>
-              </a:ext>
-            </a:extLst>
-          </p:cNvPr>
-          <p:cNvSpPr>
-            <a:spLocks noGrp="1"/>
-          </p:cNvSpPr>
-          <p:nvPr>
-            <p:ph idx="1"/>
-          </p:nvPr>
-        </p:nvSpPr>
-        <p:spPr/>
-        <p:txBody>
-          <a:bodyPr/>
-          <a:lstStyle/>
-          <a:p>
-            <a:r>
-              <a:rPr lang="en-US" dirty="0"/>
-              <a:t>R-CNN, Fast R-CNN and Faster R-CNN are specific architectures that help with object detection</a:t>
-            </a:r>
-          </a:p>
-          <a:p>
-            <a:r>
-              <a:rPr lang="en-US" dirty="0"/>
-              <a:t>Objective is to obtain from an image:</a:t>
-            </a:r>
-          </a:p>
-          <a:p>
-            <a:pPr lvl="1"/>
-            <a:r>
-              <a:rPr lang="en-US" dirty="0"/>
-              <a:t>A list of bounding boxes</a:t>
-            </a:r>
-          </a:p>
-          <a:p>
-            <a:pPr lvl="1"/>
-            <a:r>
-              <a:rPr lang="en-US" dirty="0"/>
-              <a:t>A label assigned to each bounding box</a:t>
-            </a:r>
-          </a:p>
-          <a:p>
-            <a:pPr lvl="1"/>
-            <a:r>
-              <a:rPr lang="en-US" dirty="0"/>
-              <a:t>A probability for each label and bounding box</a:t>
-            </a:r>
-          </a:p>
-          <a:p>
-            <a:r>
-              <a:rPr lang="en-US" dirty="0"/>
-              <a:t>The key idea in R-CNNs is to use </a:t>
-            </a:r>
-            <a:r>
-              <a:rPr lang="en-US" i="1" dirty="0"/>
-              <a:t>region proposals </a:t>
-            </a:r>
-            <a:r>
-              <a:rPr lang="en-US" dirty="0"/>
-              <a:t>and </a:t>
-            </a:r>
-            <a:r>
-              <a:rPr lang="en-US" i="1" dirty="0"/>
-              <a:t>region of interest pooling</a:t>
-            </a:r>
-          </a:p>
-          <a:p>
-            <a:endParaRPr lang="en-US" dirty="0"/>
-          </a:p>
-        </p:txBody>
-      </p:sp>
-      <p:sp>
-        <p:nvSpPr>
-          <p:cNvPr id="3" name="Title 2">
-            <a:extLst>
-              <a:ext uri="{FF2B5EF4-FFF2-40B4-BE49-F238E27FC236}">
-                <a16:creationId xmlns:a16="http://schemas.microsoft.com/office/drawing/2014/main" id="{364AE5FE-FB8C-417A-B133-A56CE4A7692D}"/>
-              </a:ext>
-            </a:extLst>
-          </p:cNvPr>
-          <p:cNvSpPr>
-            <a:spLocks noGrp="1"/>
-          </p:cNvSpPr>
-          <p:nvPr>
-            <p:ph type="title"/>
-          </p:nvPr>
-        </p:nvSpPr>
-        <p:spPr/>
-        <p:txBody>
-          <a:bodyPr/>
-          <a:lstStyle/>
-          <a:p>
-            <a:r>
-              <a:rPr lang="en-US" dirty="0"/>
-              <a:t>R-CNN</a:t>
-            </a:r>
-            <a:r>
-              <a:rPr lang="en-US" baseline="30000" dirty="0"/>
-              <a:t>[3]</a:t>
-            </a:r>
-          </a:p>
-        </p:txBody>
-      </p:sp>
-      <p:sp>
-        <p:nvSpPr>
-          <p:cNvPr id="4" name="Slide Number Placeholder 3">
-            <a:extLst>
-              <a:ext uri="{FF2B5EF4-FFF2-40B4-BE49-F238E27FC236}">
-                <a16:creationId xmlns:a16="http://schemas.microsoft.com/office/drawing/2014/main" id="{3DFEC0ED-EB0A-492A-BFD0-52562A5FDD4A}"/>
-              </a:ext>
-            </a:extLst>
-          </p:cNvPr>
-          <p:cNvSpPr>
-            <a:spLocks noGrp="1"/>
-          </p:cNvSpPr>
-          <p:nvPr>
-            <p:ph type="sldNum" sz="quarter" idx="12"/>
-          </p:nvPr>
-        </p:nvSpPr>
-        <p:spPr/>
-        <p:txBody>
-          <a:bodyPr/>
-          <a:lstStyle/>
-          <a:p>
-            <a:fld id="{29AAD378-655A-49C6-813C-9FD132EF7440}" type="slidenum">
-              <a:rPr lang="en-US" smtClean="0"/>
-              <a:pPr/>
-              <a:t>19</a:t>
-            </a:fld>
-            <a:endParaRPr lang="en-US" dirty="0"/>
-          </a:p>
-        </p:txBody>
-      </p:sp>
-    </p:spTree>
-    <p:extLst>
-      <p:ext uri="{BB962C8B-B14F-4D97-AF65-F5344CB8AC3E}">
-        <p14:creationId xmlns:p14="http://schemas.microsoft.com/office/powerpoint/2010/main" val="4235827423"/>
       </p:ext>
     </p:extLst>
   </p:cSld>
@@ -5370,6 +5418,313 @@
           <p:cNvPr id="2" name="Content Placeholder 1">
             <a:extLst>
               <a:ext uri="{FF2B5EF4-FFF2-40B4-BE49-F238E27FC236}">
+                <a16:creationId xmlns:a16="http://schemas.microsoft.com/office/drawing/2014/main" id="{478489FE-B1F5-44B4-9585-4232C1D67ABA}"/>
+              </a:ext>
+            </a:extLst>
+          </p:cNvPr>
+          <p:cNvSpPr>
+            <a:spLocks noGrp="1"/>
+          </p:cNvSpPr>
+          <p:nvPr>
+            <p:ph idx="1"/>
+          </p:nvPr>
+        </p:nvSpPr>
+        <p:spPr>
+          <a:xfrm>
+            <a:off x="166681" y="1809345"/>
+            <a:ext cx="11699087" cy="3874696"/>
+          </a:xfrm>
+        </p:spPr>
+        <p:txBody>
+          <a:bodyPr/>
+          <a:lstStyle/>
+          <a:p>
+            <a:r>
+              <a:rPr lang="en-US" dirty="0"/>
+              <a:t>CNNs may have some fully connected layers before the final output</a:t>
+            </a:r>
+          </a:p>
+          <a:p>
+            <a:r>
+              <a:rPr lang="en-US" dirty="0"/>
+              <a:t>These layers allows performing higher-level reasoning over different features learned by the previous convolutional layers</a:t>
+            </a:r>
+          </a:p>
+          <a:p>
+            <a:r>
+              <a:rPr lang="en-US" dirty="0"/>
+              <a:t>Various kind of convolution functions, pooling functions and detection functions are possible, giving rise to many different flavors</a:t>
+            </a:r>
+          </a:p>
+          <a:p>
+            <a:r>
+              <a:rPr lang="en-US" dirty="0"/>
+              <a:t>Number of convolutional layers can be varied depending on complexity of features to be learned</a:t>
+            </a:r>
+          </a:p>
+        </p:txBody>
+      </p:sp>
+      <p:sp>
+        <p:nvSpPr>
+          <p:cNvPr id="3" name="Title 2">
+            <a:extLst>
+              <a:ext uri="{FF2B5EF4-FFF2-40B4-BE49-F238E27FC236}">
+                <a16:creationId xmlns:a16="http://schemas.microsoft.com/office/drawing/2014/main" id="{8AD3EEC9-AE3E-4047-BD55-EC602BF5FC33}"/>
+              </a:ext>
+            </a:extLst>
+          </p:cNvPr>
+          <p:cNvSpPr>
+            <a:spLocks noGrp="1"/>
+          </p:cNvSpPr>
+          <p:nvPr>
+            <p:ph type="title"/>
+          </p:nvPr>
+        </p:nvSpPr>
+        <p:spPr/>
+        <p:txBody>
+          <a:bodyPr/>
+          <a:lstStyle/>
+          <a:p>
+            <a:r>
+              <a:rPr lang="en-US" dirty="0"/>
+              <a:t>Fully connected layers</a:t>
+            </a:r>
+          </a:p>
+        </p:txBody>
+      </p:sp>
+      <p:sp>
+        <p:nvSpPr>
+          <p:cNvPr id="4" name="Slide Number Placeholder 3">
+            <a:extLst>
+              <a:ext uri="{FF2B5EF4-FFF2-40B4-BE49-F238E27FC236}">
+                <a16:creationId xmlns:a16="http://schemas.microsoft.com/office/drawing/2014/main" id="{52D0CA2A-DE0D-4EDE-9E1E-C5D47DE8350D}"/>
+              </a:ext>
+            </a:extLst>
+          </p:cNvPr>
+          <p:cNvSpPr>
+            <a:spLocks noGrp="1"/>
+          </p:cNvSpPr>
+          <p:nvPr>
+            <p:ph type="sldNum" sz="quarter" idx="12"/>
+          </p:nvPr>
+        </p:nvSpPr>
+        <p:spPr/>
+        <p:txBody>
+          <a:bodyPr/>
+          <a:lstStyle/>
+          <a:p>
+            <a:fld id="{29AAD378-655A-49C6-813C-9FD132EF7440}" type="slidenum">
+              <a:rPr lang="en-US" smtClean="0"/>
+              <a:pPr/>
+              <a:t>20</a:t>
+            </a:fld>
+            <a:endParaRPr lang="en-US" dirty="0"/>
+          </a:p>
+        </p:txBody>
+      </p:sp>
+    </p:spTree>
+    <p:extLst>
+      <p:ext uri="{BB962C8B-B14F-4D97-AF65-F5344CB8AC3E}">
+        <p14:creationId xmlns:p14="http://schemas.microsoft.com/office/powerpoint/2010/main" val="1510474692"/>
+      </p:ext>
+    </p:extLst>
+  </p:cSld>
+  <p:clrMapOvr>
+    <a:masterClrMapping/>
+  </p:clrMapOvr>
+</p:sld>
+</file>
+
+<file path=ppt/slides/slide21.xml><?xml version="1.0" encoding="utf-8"?>
+<p:sld xmlns:a="http://schemas.openxmlformats.org/drawingml/2006/main" xmlns:r="http://schemas.openxmlformats.org/officeDocument/2006/relationships" xmlns:p="http://schemas.openxmlformats.org/presentationml/2006/main">
+  <p:cSld>
+    <p:spTree>
+      <p:nvGrpSpPr>
+        <p:cNvPr id="1" name=""/>
+        <p:cNvGrpSpPr/>
+        <p:nvPr/>
+      </p:nvGrpSpPr>
+      <p:grpSpPr>
+        <a:xfrm>
+          <a:off x="0" y="0"/>
+          <a:ext cx="0" cy="0"/>
+          <a:chOff x="0" y="0"/>
+          <a:chExt cx="0" cy="0"/>
+        </a:xfrm>
+      </p:grpSpPr>
+      <p:sp>
+        <p:nvSpPr>
+          <p:cNvPr id="2" name="Content Placeholder 1">
+            <a:extLst>
+              <a:ext uri="{FF2B5EF4-FFF2-40B4-BE49-F238E27FC236}">
+                <a16:creationId xmlns:a16="http://schemas.microsoft.com/office/drawing/2014/main" id="{4B08BB18-3755-4038-899E-E11F776763D4}"/>
+              </a:ext>
+            </a:extLst>
+          </p:cNvPr>
+          <p:cNvSpPr>
+            <a:spLocks noGrp="1"/>
+          </p:cNvSpPr>
+          <p:nvPr>
+            <p:ph idx="1"/>
+          </p:nvPr>
+        </p:nvSpPr>
+        <p:spPr/>
+        <p:txBody>
+          <a:bodyPr/>
+          <a:lstStyle/>
+          <a:p>
+            <a:r>
+              <a:rPr lang="en-US" dirty="0"/>
+              <a:t>R-CNN, Fast R-CNN and Faster R-CNN are specific architectures that help with object detection</a:t>
+            </a:r>
+          </a:p>
+          <a:p>
+            <a:r>
+              <a:rPr lang="en-US" dirty="0"/>
+              <a:t>Objective is to obtain from an image:</a:t>
+            </a:r>
+          </a:p>
+          <a:p>
+            <a:pPr lvl="1"/>
+            <a:r>
+              <a:rPr lang="en-US" dirty="0"/>
+              <a:t>A list of bounding boxes</a:t>
+            </a:r>
+          </a:p>
+          <a:p>
+            <a:pPr lvl="1"/>
+            <a:r>
+              <a:rPr lang="en-US" dirty="0"/>
+              <a:t>A label assigned to each bounding box</a:t>
+            </a:r>
+          </a:p>
+          <a:p>
+            <a:pPr lvl="1"/>
+            <a:r>
+              <a:rPr lang="en-US" dirty="0"/>
+              <a:t>A probability for each label and bounding box</a:t>
+            </a:r>
+          </a:p>
+          <a:p>
+            <a:r>
+              <a:rPr lang="en-US" dirty="0"/>
+              <a:t>The key idea in R-CNNs is to use </a:t>
+            </a:r>
+            <a:r>
+              <a:rPr lang="en-US" i="1" dirty="0"/>
+              <a:t>region proposals </a:t>
+            </a:r>
+            <a:r>
+              <a:rPr lang="en-US" dirty="0"/>
+              <a:t>and </a:t>
+            </a:r>
+            <a:r>
+              <a:rPr lang="en-US" i="1" dirty="0"/>
+              <a:t>region of interest pooling</a:t>
+            </a:r>
+          </a:p>
+          <a:p>
+            <a:endParaRPr lang="en-US" dirty="0"/>
+          </a:p>
+        </p:txBody>
+      </p:sp>
+      <p:sp>
+        <p:nvSpPr>
+          <p:cNvPr id="3" name="Title 2">
+            <a:extLst>
+              <a:ext uri="{FF2B5EF4-FFF2-40B4-BE49-F238E27FC236}">
+                <a16:creationId xmlns:a16="http://schemas.microsoft.com/office/drawing/2014/main" id="{364AE5FE-FB8C-417A-B133-A56CE4A7692D}"/>
+              </a:ext>
+            </a:extLst>
+          </p:cNvPr>
+          <p:cNvSpPr>
+            <a:spLocks noGrp="1"/>
+          </p:cNvSpPr>
+          <p:nvPr>
+            <p:ph type="title"/>
+          </p:nvPr>
+        </p:nvSpPr>
+        <p:spPr/>
+        <p:txBody>
+          <a:bodyPr/>
+          <a:lstStyle/>
+          <a:p>
+            <a:r>
+              <a:rPr lang="en-US" dirty="0"/>
+              <a:t>R-CNN</a:t>
+            </a:r>
+            <a:r>
+              <a:rPr lang="en-US" baseline="30000" dirty="0"/>
+              <a:t>[3]</a:t>
+            </a:r>
+          </a:p>
+        </p:txBody>
+      </p:sp>
+      <p:sp>
+        <p:nvSpPr>
+          <p:cNvPr id="4" name="Slide Number Placeholder 3">
+            <a:extLst>
+              <a:ext uri="{FF2B5EF4-FFF2-40B4-BE49-F238E27FC236}">
+                <a16:creationId xmlns:a16="http://schemas.microsoft.com/office/drawing/2014/main" id="{3DFEC0ED-EB0A-492A-BFD0-52562A5FDD4A}"/>
+              </a:ext>
+            </a:extLst>
+          </p:cNvPr>
+          <p:cNvSpPr>
+            <a:spLocks noGrp="1"/>
+          </p:cNvSpPr>
+          <p:nvPr>
+            <p:ph type="sldNum" sz="quarter" idx="12"/>
+          </p:nvPr>
+        </p:nvSpPr>
+        <p:spPr/>
+        <p:txBody>
+          <a:bodyPr/>
+          <a:lstStyle/>
+          <a:p>
+            <a:fld id="{29AAD378-655A-49C6-813C-9FD132EF7440}" type="slidenum">
+              <a:rPr lang="en-US" smtClean="0"/>
+              <a:pPr/>
+              <a:t>21</a:t>
+            </a:fld>
+            <a:endParaRPr lang="en-US" dirty="0"/>
+          </a:p>
+        </p:txBody>
+      </p:sp>
+    </p:spTree>
+    <p:extLst>
+      <p:ext uri="{BB962C8B-B14F-4D97-AF65-F5344CB8AC3E}">
+        <p14:creationId xmlns:p14="http://schemas.microsoft.com/office/powerpoint/2010/main" val="4235827423"/>
+      </p:ext>
+    </p:extLst>
+  </p:cSld>
+  <p:clrMapOvr>
+    <a:masterClrMapping/>
+  </p:clrMapOvr>
+</p:sld>
+</file>
+
+<file path=ppt/slides/slide22.xml><?xml version="1.0" encoding="utf-8"?>
+<p:sld xmlns:a="http://schemas.openxmlformats.org/drawingml/2006/main" xmlns:r="http://schemas.openxmlformats.org/officeDocument/2006/relationships" xmlns:p="http://schemas.openxmlformats.org/presentationml/2006/main">
+  <p:cSld>
+    <p:spTree>
+      <p:nvGrpSpPr>
+        <p:cNvPr id="1" name=""/>
+        <p:cNvGrpSpPr/>
+        <p:nvPr/>
+      </p:nvGrpSpPr>
+      <p:grpSpPr>
+        <a:xfrm>
+          <a:off x="0" y="0"/>
+          <a:ext cx="0" cy="0"/>
+          <a:chOff x="0" y="0"/>
+          <a:chExt cx="0" cy="0"/>
+        </a:xfrm>
+      </p:grpSpPr>
+      <p:sp>
+        <p:nvSpPr>
+          <p:cNvPr id="2" name="Content Placeholder 1">
+            <a:extLst>
+              <a:ext uri="{FF2B5EF4-FFF2-40B4-BE49-F238E27FC236}">
                 <a16:creationId xmlns:a16="http://schemas.microsoft.com/office/drawing/2014/main" id="{818DA894-FD0C-433D-98D4-B7286B3BD19C}"/>
               </a:ext>
             </a:extLst>
@@ -5533,7 +5888,7 @@
             <a:fld id="{29AAD378-655A-49C6-813C-9FD132EF7440}" type="slidenum">
               <a:rPr lang="en-US" smtClean="0"/>
               <a:pPr/>
-              <a:t>20</a:t>
+              <a:t>22</a:t>
             </a:fld>
             <a:endParaRPr lang="en-US" dirty="0"/>
           </a:p>
@@ -5581,7 +5936,7 @@
 </p:sld>
 </file>
 
-<file path=ppt/slides/slide21.xml><?xml version="1.0" encoding="utf-8"?>
+<file path=ppt/slides/slide23.xml><?xml version="1.0" encoding="utf-8"?>
 <p:sld xmlns:a="http://schemas.openxmlformats.org/drawingml/2006/main" xmlns:r="http://schemas.openxmlformats.org/officeDocument/2006/relationships" xmlns:p="http://schemas.openxmlformats.org/presentationml/2006/main">
   <p:cSld>
     <p:spTree>
@@ -5702,7 +6057,7 @@
             <a:fld id="{29AAD378-655A-49C6-813C-9FD132EF7440}" type="slidenum">
               <a:rPr lang="en-US" smtClean="0"/>
               <a:pPr/>
-              <a:t>21</a:t>
+              <a:t>23</a:t>
             </a:fld>
             <a:endParaRPr lang="en-US" dirty="0"/>
           </a:p>
@@ -5751,7 +6106,7 @@
 </p:sld>
 </file>
 
-<file path=ppt/slides/slide22.xml><?xml version="1.0" encoding="utf-8"?>
+<file path=ppt/slides/slide24.xml><?xml version="1.0" encoding="utf-8"?>
 <p:sld xmlns:a="http://schemas.openxmlformats.org/drawingml/2006/main" xmlns:r="http://schemas.openxmlformats.org/officeDocument/2006/relationships" xmlns:p="http://schemas.openxmlformats.org/presentationml/2006/main">
   <p:cSld>
     <p:spTree>
@@ -5882,7 +6237,7 @@
             <a:fld id="{29AAD378-655A-49C6-813C-9FD132EF7440}" type="slidenum">
               <a:rPr lang="en-US" smtClean="0"/>
               <a:pPr/>
-              <a:t>22</a:t>
+              <a:t>24</a:t>
             </a:fld>
             <a:endParaRPr lang="en-US" dirty="0"/>
           </a:p>
@@ -5901,7 +6256,7 @@
 </p:sld>
 </file>
 
-<file path=ppt/slides/slide23.xml><?xml version="1.0" encoding="utf-8"?>
+<file path=ppt/slides/slide25.xml><?xml version="1.0" encoding="utf-8"?>
 <p:sld xmlns:a="http://schemas.openxmlformats.org/drawingml/2006/main" xmlns:r="http://schemas.openxmlformats.org/officeDocument/2006/relationships" xmlns:p="http://schemas.openxmlformats.org/presentationml/2006/main">
   <p:cSld>
     <p:spTree>
@@ -6037,7 +6392,7 @@
             <a:fld id="{29AAD378-655A-49C6-813C-9FD132EF7440}" type="slidenum">
               <a:rPr lang="en-US" smtClean="0"/>
               <a:pPr/>
-              <a:t>23</a:t>
+              <a:t>25</a:t>
             </a:fld>
             <a:endParaRPr lang="en-US" dirty="0"/>
           </a:p>
@@ -6056,7 +6411,7 @@
 </p:sld>
 </file>
 
-<file path=ppt/slides/slide24.xml><?xml version="1.0" encoding="utf-8"?>
+<file path=ppt/slides/slide26.xml><?xml version="1.0" encoding="utf-8"?>
 <p:sld xmlns:a="http://schemas.openxmlformats.org/drawingml/2006/main" xmlns:r="http://schemas.openxmlformats.org/officeDocument/2006/relationships" xmlns:p="http://schemas.openxmlformats.org/presentationml/2006/main">
   <p:cSld>
     <p:spTree>
@@ -6188,7 +6543,7 @@
             <a:fld id="{29AAD378-655A-49C6-813C-9FD132EF7440}" type="slidenum">
               <a:rPr lang="en-US" smtClean="0"/>
               <a:pPr/>
-              <a:t>24</a:t>
+              <a:t>26</a:t>
             </a:fld>
             <a:endParaRPr lang="en-US" dirty="0"/>
           </a:p>
@@ -6207,7 +6562,7 @@
 </p:sld>
 </file>
 
-<file path=ppt/slides/slide25.xml><?xml version="1.0" encoding="utf-8"?>
+<file path=ppt/slides/slide27.xml><?xml version="1.0" encoding="utf-8"?>
 <p:sld xmlns:a="http://schemas.openxmlformats.org/drawingml/2006/main" xmlns:r="http://schemas.openxmlformats.org/officeDocument/2006/relationships" xmlns:p="http://schemas.openxmlformats.org/presentationml/2006/main">
   <p:cSld>
     <p:spTree>
@@ -6331,7 +6686,7 @@
             <a:fld id="{29AAD378-655A-49C6-813C-9FD132EF7440}" type="slidenum">
               <a:rPr lang="en-US" smtClean="0"/>
               <a:pPr/>
-              <a:t>25</a:t>
+              <a:t>27</a:t>
             </a:fld>
             <a:endParaRPr lang="en-US" dirty="0"/>
           </a:p>
@@ -6350,7 +6705,7 @@
 </p:sld>
 </file>
 
-<file path=ppt/slides/slide26.xml><?xml version="1.0" encoding="utf-8"?>
+<file path=ppt/slides/slide28.xml><?xml version="1.0" encoding="utf-8"?>
 <p:sld xmlns:a="http://schemas.openxmlformats.org/drawingml/2006/main" xmlns:r="http://schemas.openxmlformats.org/officeDocument/2006/relationships" xmlns:p="http://schemas.openxmlformats.org/presentationml/2006/main">
   <p:cSld>
     <p:spTree>
@@ -6545,7 +6900,7 @@
             <a:fld id="{29AAD378-655A-49C6-813C-9FD132EF7440}" type="slidenum">
               <a:rPr lang="en-US" smtClean="0"/>
               <a:pPr/>
-              <a:t>26</a:t>
+              <a:t>28</a:t>
             </a:fld>
             <a:endParaRPr lang="en-US" dirty="0"/>
           </a:p>
@@ -6564,7 +6919,7 @@
 </p:sld>
 </file>
 
-<file path=ppt/slides/slide27.xml><?xml version="1.0" encoding="utf-8"?>
+<file path=ppt/slides/slide29.xml><?xml version="1.0" encoding="utf-8"?>
 <p:sld xmlns:a="http://schemas.openxmlformats.org/drawingml/2006/main" xmlns:r="http://schemas.openxmlformats.org/officeDocument/2006/relationships" xmlns:p="http://schemas.openxmlformats.org/presentationml/2006/main">
   <p:cSld>
     <p:spTree>
@@ -6749,7 +7104,7 @@
             <a:fld id="{29AAD378-655A-49C6-813C-9FD132EF7440}" type="slidenum">
               <a:rPr lang="en-US" smtClean="0"/>
               <a:pPr/>
-              <a:t>27</a:t>
+              <a:t>29</a:t>
             </a:fld>
             <a:endParaRPr lang="en-US" dirty="0"/>
           </a:p>
@@ -6759,277 +7114,6 @@
     <p:extLst>
       <p:ext uri="{BB962C8B-B14F-4D97-AF65-F5344CB8AC3E}">
         <p14:creationId xmlns:p14="http://schemas.microsoft.com/office/powerpoint/2010/main" val="1935277000"/>
-      </p:ext>
-    </p:extLst>
-  </p:cSld>
-  <p:clrMapOvr>
-    <a:masterClrMapping/>
-  </p:clrMapOvr>
-</p:sld>
-</file>
-
-<file path=ppt/slides/slide28.xml><?xml version="1.0" encoding="utf-8"?>
-<p:sld xmlns:a="http://schemas.openxmlformats.org/drawingml/2006/main" xmlns:r="http://schemas.openxmlformats.org/officeDocument/2006/relationships" xmlns:p="http://schemas.openxmlformats.org/presentationml/2006/main">
-  <p:cSld>
-    <p:spTree>
-      <p:nvGrpSpPr>
-        <p:cNvPr id="1" name=""/>
-        <p:cNvGrpSpPr/>
-        <p:nvPr/>
-      </p:nvGrpSpPr>
-      <p:grpSpPr>
-        <a:xfrm>
-          <a:off x="0" y="0"/>
-          <a:ext cx="0" cy="0"/>
-          <a:chOff x="0" y="0"/>
-          <a:chExt cx="0" cy="0"/>
-        </a:xfrm>
-      </p:grpSpPr>
-      <p:sp>
-        <p:nvSpPr>
-          <p:cNvPr id="2" name="Content Placeholder 1">
-            <a:extLst>
-              <a:ext uri="{FF2B5EF4-FFF2-40B4-BE49-F238E27FC236}">
-                <a16:creationId xmlns:a16="http://schemas.microsoft.com/office/drawing/2014/main" id="{30827D2D-913A-4E5A-917A-87BE68EBBF05}"/>
-              </a:ext>
-            </a:extLst>
-          </p:cNvPr>
-          <p:cNvSpPr>
-            <a:spLocks noGrp="1"/>
-          </p:cNvSpPr>
-          <p:nvPr>
-            <p:ph idx="1"/>
-          </p:nvPr>
-        </p:nvSpPr>
-        <p:spPr/>
-        <p:txBody>
-          <a:bodyPr>
-            <a:normAutofit/>
-          </a:bodyPr>
-          <a:lstStyle/>
-          <a:p>
-            <a:pPr>
-              <a:buFont typeface="+mj-lt"/>
-              <a:buAutoNum type="arabicPeriod"/>
-            </a:pPr>
-            <a:r>
-              <a:rPr lang="en-US" sz="2000" dirty="0"/>
-              <a:t>Pendleton, Scott Drew, Hans Andersen, </a:t>
-            </a:r>
-            <a:r>
-              <a:rPr lang="en-US" sz="2000" dirty="0" err="1"/>
-              <a:t>Xinxin</a:t>
-            </a:r>
-            <a:r>
-              <a:rPr lang="en-US" sz="2000" dirty="0"/>
-              <a:t> Du, </a:t>
-            </a:r>
-            <a:r>
-              <a:rPr lang="en-US" sz="2000" dirty="0" err="1"/>
-              <a:t>Xiaotong</a:t>
-            </a:r>
-            <a:r>
-              <a:rPr lang="en-US" sz="2000" dirty="0"/>
-              <a:t> Shen, Malika </a:t>
-            </a:r>
-            <a:r>
-              <a:rPr lang="en-US" sz="2000" dirty="0" err="1"/>
-              <a:t>Meghjani</a:t>
-            </a:r>
-            <a:r>
-              <a:rPr lang="en-US" sz="2000" dirty="0"/>
-              <a:t>, You Hong </a:t>
-            </a:r>
-            <a:r>
-              <a:rPr lang="en-US" sz="2000" dirty="0" err="1"/>
-              <a:t>Eng</a:t>
-            </a:r>
-            <a:r>
-              <a:rPr lang="en-US" sz="2000" dirty="0"/>
-              <a:t>, Daniela Rus, and Marcelo H. Ang. "Perception, planning, control, and coordination for autonomous vehicles." </a:t>
-            </a:r>
-            <a:r>
-              <a:rPr lang="en-US" sz="2000" i="1" dirty="0"/>
-              <a:t>Machines</a:t>
-            </a:r>
-            <a:r>
-              <a:rPr lang="en-US" sz="2000" dirty="0"/>
-              <a:t> 5, no. 1 (2017): 6.</a:t>
-            </a:r>
-          </a:p>
-          <a:p>
-            <a:pPr>
-              <a:buFont typeface="+mj-lt"/>
-              <a:buAutoNum type="arabicPeriod"/>
-            </a:pPr>
-            <a:r>
-              <a:rPr lang="en-US" sz="2000" dirty="0"/>
-              <a:t>Good introduction to Hough transform and various vision algorithms: </a:t>
-            </a:r>
-            <a:r>
-              <a:rPr lang="en-US" sz="2000" dirty="0">
-                <a:hlinkClick r:id="rId2"/>
-              </a:rPr>
-              <a:t>http://aishack.in/tutorials/hough-transform-normal/</a:t>
-            </a:r>
-            <a:endParaRPr lang="en-US" sz="2000" dirty="0"/>
-          </a:p>
-          <a:p>
-            <a:pPr>
-              <a:buFont typeface="+mj-lt"/>
-              <a:buAutoNum type="arabicPeriod"/>
-            </a:pPr>
-            <a:r>
-              <a:rPr lang="en-US" sz="2000" dirty="0"/>
-              <a:t>Hough transform basics: </a:t>
-            </a:r>
-            <a:r>
-              <a:rPr lang="en-US" sz="2000" dirty="0">
-                <a:hlinkClick r:id="rId3"/>
-              </a:rPr>
-              <a:t>http://web.ipac.caltech.edu/staff/fmasci/home/astro_refs/HoughTrans_review.pdf</a:t>
-            </a:r>
-            <a:endParaRPr lang="en-US" sz="2000" dirty="0"/>
-          </a:p>
-          <a:p>
-            <a:pPr>
-              <a:buFont typeface="+mj-lt"/>
-              <a:buAutoNum type="arabicPeriod"/>
-            </a:pPr>
-            <a:r>
-              <a:rPr lang="en-US" sz="2000" dirty="0"/>
-              <a:t>Graph-based clustering: http://vision.stanford.edu/teaching/cs231b_spring1213/slides/segmentation.pdf</a:t>
-            </a:r>
-          </a:p>
-          <a:p>
-            <a:pPr>
-              <a:buFont typeface="+mj-lt"/>
-              <a:buAutoNum type="arabicPeriod"/>
-            </a:pPr>
-            <a:r>
-              <a:rPr lang="en-US" sz="2000" dirty="0"/>
-              <a:t>MRF/CRF fundamentals </a:t>
-            </a:r>
-            <a:r>
-              <a:rPr lang="en-US" sz="2000" dirty="0">
-                <a:hlinkClick r:id="rId4"/>
-              </a:rPr>
-              <a:t>https://www.cs.umd.edu/~djacobs/CMSC828seg/MRFCRF.pdf</a:t>
-            </a:r>
-            <a:endParaRPr lang="en-US" sz="2000" dirty="0"/>
-          </a:p>
-          <a:p>
-            <a:pPr>
-              <a:buFont typeface="+mj-lt"/>
-              <a:buAutoNum type="arabicPeriod"/>
-            </a:pPr>
-            <a:r>
-              <a:rPr lang="en-US" sz="2000" dirty="0"/>
-              <a:t>Edge detection: </a:t>
-            </a:r>
-            <a:r>
-              <a:rPr lang="en-US" sz="2000" dirty="0">
-                <a:hlinkClick r:id="rId5"/>
-              </a:rPr>
-              <a:t>https://www.swarthmore.edu/NatSci/mzucker1/e27_s2016/filter-slides.pdf</a:t>
-            </a:r>
-            <a:endParaRPr lang="en-US" sz="2000" dirty="0"/>
-          </a:p>
-          <a:p>
-            <a:pPr>
-              <a:buFont typeface="+mj-lt"/>
-              <a:buAutoNum type="arabicPeriod"/>
-            </a:pPr>
-            <a:r>
-              <a:rPr lang="en-US" sz="2000" dirty="0"/>
-              <a:t>SLAM: </a:t>
-            </a:r>
-            <a:r>
-              <a:rPr lang="en-US" sz="2000" dirty="0">
-                <a:hlinkClick r:id="rId6"/>
-              </a:rPr>
-              <a:t>https://people.eecs.berkeley.edu/~pabbeel/cs287-fa09/readings/Durrant-Whyte_Bailey_SLAM-tutorial-I.pdf</a:t>
-            </a:r>
-            <a:endParaRPr lang="en-US" sz="2000" dirty="0"/>
-          </a:p>
-          <a:p>
-            <a:pPr>
-              <a:buFont typeface="+mj-lt"/>
-              <a:buAutoNum type="arabicPeriod"/>
-            </a:pPr>
-            <a:endParaRPr lang="en-US" sz="2000" dirty="0"/>
-          </a:p>
-          <a:p>
-            <a:pPr>
-              <a:buFont typeface="+mj-lt"/>
-              <a:buAutoNum type="arabicPeriod"/>
-            </a:pPr>
-            <a:endParaRPr lang="en-US" sz="2000" dirty="0"/>
-          </a:p>
-        </p:txBody>
-      </p:sp>
-      <p:sp>
-        <p:nvSpPr>
-          <p:cNvPr id="3" name="Title 2">
-            <a:extLst>
-              <a:ext uri="{FF2B5EF4-FFF2-40B4-BE49-F238E27FC236}">
-                <a16:creationId xmlns:a16="http://schemas.microsoft.com/office/drawing/2014/main" id="{4DE9B7B7-D647-489B-BC3A-30FF1847E114}"/>
-              </a:ext>
-            </a:extLst>
-          </p:cNvPr>
-          <p:cNvSpPr>
-            <a:spLocks noGrp="1"/>
-          </p:cNvSpPr>
-          <p:nvPr>
-            <p:ph type="title"/>
-          </p:nvPr>
-        </p:nvSpPr>
-        <p:spPr/>
-        <p:txBody>
-          <a:bodyPr/>
-          <a:lstStyle/>
-          <a:p>
-            <a:r>
-              <a:rPr lang="en-US" dirty="0"/>
-              <a:t>Bibliography</a:t>
-            </a:r>
-          </a:p>
-        </p:txBody>
-      </p:sp>
-      <p:sp>
-        <p:nvSpPr>
-          <p:cNvPr id="4" name="Slide Number Placeholder 3">
-            <a:extLst>
-              <a:ext uri="{FF2B5EF4-FFF2-40B4-BE49-F238E27FC236}">
-                <a16:creationId xmlns:a16="http://schemas.microsoft.com/office/drawing/2014/main" id="{ED3DFF38-383D-4BD7-9F71-BFF25271B128}"/>
-              </a:ext>
-            </a:extLst>
-          </p:cNvPr>
-          <p:cNvSpPr>
-            <a:spLocks noGrp="1"/>
-          </p:cNvSpPr>
-          <p:nvPr>
-            <p:ph type="sldNum" sz="quarter" idx="12"/>
-          </p:nvPr>
-        </p:nvSpPr>
-        <p:spPr/>
-        <p:txBody>
-          <a:bodyPr/>
-          <a:lstStyle/>
-          <a:p>
-            <a:fld id="{29AAD378-655A-49C6-813C-9FD132EF7440}" type="slidenum">
-              <a:rPr lang="en-US" smtClean="0"/>
-              <a:pPr/>
-              <a:t>28</a:t>
-            </a:fld>
-            <a:endParaRPr lang="en-US" dirty="0"/>
-          </a:p>
-        </p:txBody>
-      </p:sp>
-    </p:spTree>
-    <p:extLst>
-      <p:ext uri="{BB962C8B-B14F-4D97-AF65-F5344CB8AC3E}">
-        <p14:creationId xmlns:p14="http://schemas.microsoft.com/office/powerpoint/2010/main" val="3394608549"/>
       </p:ext>
     </p:extLst>
   </p:cSld>
@@ -7163,6 +7247,277 @@
     <p:extLst>
       <p:ext uri="{BB962C8B-B14F-4D97-AF65-F5344CB8AC3E}">
         <p14:creationId xmlns:p14="http://schemas.microsoft.com/office/powerpoint/2010/main" val="831498743"/>
+      </p:ext>
+    </p:extLst>
+  </p:cSld>
+  <p:clrMapOvr>
+    <a:masterClrMapping/>
+  </p:clrMapOvr>
+</p:sld>
+</file>
+
+<file path=ppt/slides/slide30.xml><?xml version="1.0" encoding="utf-8"?>
+<p:sld xmlns:a="http://schemas.openxmlformats.org/drawingml/2006/main" xmlns:r="http://schemas.openxmlformats.org/officeDocument/2006/relationships" xmlns:p="http://schemas.openxmlformats.org/presentationml/2006/main">
+  <p:cSld>
+    <p:spTree>
+      <p:nvGrpSpPr>
+        <p:cNvPr id="1" name=""/>
+        <p:cNvGrpSpPr/>
+        <p:nvPr/>
+      </p:nvGrpSpPr>
+      <p:grpSpPr>
+        <a:xfrm>
+          <a:off x="0" y="0"/>
+          <a:ext cx="0" cy="0"/>
+          <a:chOff x="0" y="0"/>
+          <a:chExt cx="0" cy="0"/>
+        </a:xfrm>
+      </p:grpSpPr>
+      <p:sp>
+        <p:nvSpPr>
+          <p:cNvPr id="2" name="Content Placeholder 1">
+            <a:extLst>
+              <a:ext uri="{FF2B5EF4-FFF2-40B4-BE49-F238E27FC236}">
+                <a16:creationId xmlns:a16="http://schemas.microsoft.com/office/drawing/2014/main" id="{30827D2D-913A-4E5A-917A-87BE68EBBF05}"/>
+              </a:ext>
+            </a:extLst>
+          </p:cNvPr>
+          <p:cNvSpPr>
+            <a:spLocks noGrp="1"/>
+          </p:cNvSpPr>
+          <p:nvPr>
+            <p:ph idx="1"/>
+          </p:nvPr>
+        </p:nvSpPr>
+        <p:spPr/>
+        <p:txBody>
+          <a:bodyPr>
+            <a:normAutofit/>
+          </a:bodyPr>
+          <a:lstStyle/>
+          <a:p>
+            <a:pPr>
+              <a:buFont typeface="+mj-lt"/>
+              <a:buAutoNum type="arabicPeriod"/>
+            </a:pPr>
+            <a:r>
+              <a:rPr lang="en-US" sz="2000" dirty="0"/>
+              <a:t>Pendleton, Scott Drew, Hans Andersen, </a:t>
+            </a:r>
+            <a:r>
+              <a:rPr lang="en-US" sz="2000" dirty="0" err="1"/>
+              <a:t>Xinxin</a:t>
+            </a:r>
+            <a:r>
+              <a:rPr lang="en-US" sz="2000" dirty="0"/>
+              <a:t> Du, </a:t>
+            </a:r>
+            <a:r>
+              <a:rPr lang="en-US" sz="2000" dirty="0" err="1"/>
+              <a:t>Xiaotong</a:t>
+            </a:r>
+            <a:r>
+              <a:rPr lang="en-US" sz="2000" dirty="0"/>
+              <a:t> Shen, Malika </a:t>
+            </a:r>
+            <a:r>
+              <a:rPr lang="en-US" sz="2000" dirty="0" err="1"/>
+              <a:t>Meghjani</a:t>
+            </a:r>
+            <a:r>
+              <a:rPr lang="en-US" sz="2000" dirty="0"/>
+              <a:t>, You Hong </a:t>
+            </a:r>
+            <a:r>
+              <a:rPr lang="en-US" sz="2000" dirty="0" err="1"/>
+              <a:t>Eng</a:t>
+            </a:r>
+            <a:r>
+              <a:rPr lang="en-US" sz="2000" dirty="0"/>
+              <a:t>, Daniela Rus, and Marcelo H. Ang. "Perception, planning, control, and coordination for autonomous vehicles." </a:t>
+            </a:r>
+            <a:r>
+              <a:rPr lang="en-US" sz="2000" i="1" dirty="0"/>
+              <a:t>Machines</a:t>
+            </a:r>
+            <a:r>
+              <a:rPr lang="en-US" sz="2000" dirty="0"/>
+              <a:t> 5, no. 1 (2017): 6.</a:t>
+            </a:r>
+          </a:p>
+          <a:p>
+            <a:pPr>
+              <a:buFont typeface="+mj-lt"/>
+              <a:buAutoNum type="arabicPeriod"/>
+            </a:pPr>
+            <a:r>
+              <a:rPr lang="en-US" sz="2000" dirty="0"/>
+              <a:t>Good introduction to Hough transform and various vision algorithms: </a:t>
+            </a:r>
+            <a:r>
+              <a:rPr lang="en-US" sz="2000" dirty="0">
+                <a:hlinkClick r:id="rId2"/>
+              </a:rPr>
+              <a:t>http://aishack.in/tutorials/hough-transform-normal/</a:t>
+            </a:r>
+            <a:endParaRPr lang="en-US" sz="2000" dirty="0"/>
+          </a:p>
+          <a:p>
+            <a:pPr>
+              <a:buFont typeface="+mj-lt"/>
+              <a:buAutoNum type="arabicPeriod"/>
+            </a:pPr>
+            <a:r>
+              <a:rPr lang="en-US" sz="2000" dirty="0"/>
+              <a:t>Hough transform basics: </a:t>
+            </a:r>
+            <a:r>
+              <a:rPr lang="en-US" sz="2000" dirty="0">
+                <a:hlinkClick r:id="rId3"/>
+              </a:rPr>
+              <a:t>http://web.ipac.caltech.edu/staff/fmasci/home/astro_refs/HoughTrans_review.pdf</a:t>
+            </a:r>
+            <a:endParaRPr lang="en-US" sz="2000" dirty="0"/>
+          </a:p>
+          <a:p>
+            <a:pPr>
+              <a:buFont typeface="+mj-lt"/>
+              <a:buAutoNum type="arabicPeriod"/>
+            </a:pPr>
+            <a:r>
+              <a:rPr lang="en-US" sz="2000" dirty="0"/>
+              <a:t>Graph-based clustering: http://vision.stanford.edu/teaching/cs231b_spring1213/slides/segmentation.pdf</a:t>
+            </a:r>
+          </a:p>
+          <a:p>
+            <a:pPr>
+              <a:buFont typeface="+mj-lt"/>
+              <a:buAutoNum type="arabicPeriod"/>
+            </a:pPr>
+            <a:r>
+              <a:rPr lang="en-US" sz="2000" dirty="0"/>
+              <a:t>MRF/CRF fundamentals </a:t>
+            </a:r>
+            <a:r>
+              <a:rPr lang="en-US" sz="2000" dirty="0">
+                <a:hlinkClick r:id="rId4"/>
+              </a:rPr>
+              <a:t>https://www.cs.umd.edu/~djacobs/CMSC828seg/MRFCRF.pdf</a:t>
+            </a:r>
+            <a:endParaRPr lang="en-US" sz="2000" dirty="0"/>
+          </a:p>
+          <a:p>
+            <a:pPr>
+              <a:buFont typeface="+mj-lt"/>
+              <a:buAutoNum type="arabicPeriod"/>
+            </a:pPr>
+            <a:r>
+              <a:rPr lang="en-US" sz="2000" dirty="0"/>
+              <a:t>Edge detection: </a:t>
+            </a:r>
+            <a:r>
+              <a:rPr lang="en-US" sz="2000" dirty="0">
+                <a:hlinkClick r:id="rId5"/>
+              </a:rPr>
+              <a:t>https://www.swarthmore.edu/NatSci/mzucker1/e27_s2016/filter-slides.pdf</a:t>
+            </a:r>
+            <a:endParaRPr lang="en-US" sz="2000" dirty="0"/>
+          </a:p>
+          <a:p>
+            <a:pPr>
+              <a:buFont typeface="+mj-lt"/>
+              <a:buAutoNum type="arabicPeriod"/>
+            </a:pPr>
+            <a:r>
+              <a:rPr lang="en-US" sz="2000" dirty="0"/>
+              <a:t>SLAM: </a:t>
+            </a:r>
+            <a:r>
+              <a:rPr lang="en-US" sz="2000" dirty="0">
+                <a:hlinkClick r:id="rId6"/>
+              </a:rPr>
+              <a:t>https://people.eecs.berkeley.edu/~pabbeel/cs287-fa09/readings/Durrant-Whyte_Bailey_SLAM-tutorial-I.pdf</a:t>
+            </a:r>
+            <a:endParaRPr lang="en-US" sz="2000" dirty="0"/>
+          </a:p>
+          <a:p>
+            <a:pPr>
+              <a:buFont typeface="+mj-lt"/>
+              <a:buAutoNum type="arabicPeriod"/>
+            </a:pPr>
+            <a:endParaRPr lang="en-US" sz="2000" dirty="0"/>
+          </a:p>
+          <a:p>
+            <a:pPr>
+              <a:buFont typeface="+mj-lt"/>
+              <a:buAutoNum type="arabicPeriod"/>
+            </a:pPr>
+            <a:endParaRPr lang="en-US" sz="2000" dirty="0"/>
+          </a:p>
+        </p:txBody>
+      </p:sp>
+      <p:sp>
+        <p:nvSpPr>
+          <p:cNvPr id="3" name="Title 2">
+            <a:extLst>
+              <a:ext uri="{FF2B5EF4-FFF2-40B4-BE49-F238E27FC236}">
+                <a16:creationId xmlns:a16="http://schemas.microsoft.com/office/drawing/2014/main" id="{4DE9B7B7-D647-489B-BC3A-30FF1847E114}"/>
+              </a:ext>
+            </a:extLst>
+          </p:cNvPr>
+          <p:cNvSpPr>
+            <a:spLocks noGrp="1"/>
+          </p:cNvSpPr>
+          <p:nvPr>
+            <p:ph type="title"/>
+          </p:nvPr>
+        </p:nvSpPr>
+        <p:spPr/>
+        <p:txBody>
+          <a:bodyPr/>
+          <a:lstStyle/>
+          <a:p>
+            <a:r>
+              <a:rPr lang="en-US" dirty="0"/>
+              <a:t>Bibliography</a:t>
+            </a:r>
+          </a:p>
+        </p:txBody>
+      </p:sp>
+      <p:sp>
+        <p:nvSpPr>
+          <p:cNvPr id="4" name="Slide Number Placeholder 3">
+            <a:extLst>
+              <a:ext uri="{FF2B5EF4-FFF2-40B4-BE49-F238E27FC236}">
+                <a16:creationId xmlns:a16="http://schemas.microsoft.com/office/drawing/2014/main" id="{ED3DFF38-383D-4BD7-9F71-BFF25271B128}"/>
+              </a:ext>
+            </a:extLst>
+          </p:cNvPr>
+          <p:cNvSpPr>
+            <a:spLocks noGrp="1"/>
+          </p:cNvSpPr>
+          <p:nvPr>
+            <p:ph type="sldNum" sz="quarter" idx="12"/>
+          </p:nvPr>
+        </p:nvSpPr>
+        <p:spPr/>
+        <p:txBody>
+          <a:bodyPr/>
+          <a:lstStyle/>
+          <a:p>
+            <a:fld id="{29AAD378-655A-49C6-813C-9FD132EF7440}" type="slidenum">
+              <a:rPr lang="en-US" smtClean="0"/>
+              <a:pPr/>
+              <a:t>30</a:t>
+            </a:fld>
+            <a:endParaRPr lang="en-US" dirty="0"/>
+          </a:p>
+        </p:txBody>
+      </p:sp>
+    </p:spTree>
+    <p:extLst>
+      <p:ext uri="{BB962C8B-B14F-4D97-AF65-F5344CB8AC3E}">
+        <p14:creationId xmlns:p14="http://schemas.microsoft.com/office/powerpoint/2010/main" val="3394608549"/>
       </p:ext>
     </p:extLst>
   </p:cSld>
@@ -9524,8 +9879,8 @@
           <a:chExt cx="0" cy="0"/>
         </a:xfrm>
       </p:grpSpPr>
-      <mc:AlternateContent xmlns:mc="http://schemas.openxmlformats.org/markup-compatibility/2006">
-        <mc:Choice xmlns:a14="http://schemas.microsoft.com/office/drawing/2010/main" Requires="a14">
+      <mc:AlternateContent xmlns:mc="http://schemas.openxmlformats.org/markup-compatibility/2006" xmlns:a14="http://schemas.microsoft.com/office/drawing/2010/main">
+        <mc:Choice Requires="a14">
           <p:sp>
             <p:nvSpPr>
               <p:cNvPr id="2" name="Content Placeholder 1">
@@ -9677,13 +10032,7 @@
                               <a:rPr lang="en-US" b="0" i="1" smtClean="0">
                                 <a:latin typeface="Cambria Math" panose="02040503050406030204" pitchFamily="18" charset="0"/>
                               </a:rPr>
-                              <m:t>→</m:t>
-                            </m:r>
-                            <m:r>
-                              <a:rPr lang="en-US" b="0" i="1" smtClean="0">
-                                <a:latin typeface="Cambria Math" panose="02040503050406030204" pitchFamily="18" charset="0"/>
-                              </a:rPr>
-                              <m:t>0</m:t>
+                              <m:t>→0</m:t>
                             </m:r>
                           </m:lim>
                         </m:limLow>
@@ -9790,13 +10139,7 @@
                               <a:rPr lang="en-US" sz="2400" b="0" i="1" smtClean="0">
                                 <a:latin typeface="Cambria Math" panose="02040503050406030204" pitchFamily="18" charset="0"/>
                               </a:rPr>
-                              <m:t>→</m:t>
-                            </m:r>
-                            <m:r>
-                              <a:rPr lang="en-US" sz="2400" b="0" i="1" smtClean="0">
-                                <a:latin typeface="Cambria Math" panose="02040503050406030204" pitchFamily="18" charset="0"/>
-                              </a:rPr>
-                              <m:t>0</m:t>
+                              <m:t>→0</m:t>
                             </m:r>
                           </m:lim>
                         </m:limLow>
@@ -10265,13 +10608,7 @@
                           <a:rPr lang="en-US" b="0" i="1" smtClean="0">
                             <a:latin typeface="Cambria Math" panose="02040503050406030204" pitchFamily="18" charset="0"/>
                           </a:rPr>
-                          <m:t>𝑡</m:t>
-                        </m:r>
-                        <m:r>
-                          <a:rPr lang="en-US" b="0" i="1" smtClean="0">
-                            <a:latin typeface="Cambria Math" panose="02040503050406030204" pitchFamily="18" charset="0"/>
-                          </a:rPr>
-                          <m:t>h</m:t>
+                          <m:t>𝑡h</m:t>
                         </m:r>
                       </m:sup>
                     </m:sSup>
@@ -10610,7 +10947,7 @@
             </p:txBody>
           </p:sp>
         </mc:Choice>
-        <mc:Fallback>
+        <mc:Fallback xmlns="">
           <p:sp>
             <p:nvSpPr>
               <p:cNvPr id="2" name="Content Placeholder 1">
@@ -11050,7 +11387,7 @@
           <p:cNvPr id="2" name="Content Placeholder 1">
             <a:extLst>
               <a:ext uri="{FF2B5EF4-FFF2-40B4-BE49-F238E27FC236}">
-                <a16:creationId xmlns:a16="http://schemas.microsoft.com/office/drawing/2014/main" id="{5A26ACBF-B8D5-4201-AE9C-B4FFF0664B0E}"/>
+                <a16:creationId xmlns:a16="http://schemas.microsoft.com/office/drawing/2014/main" id="{5BDD5CAE-485E-5FB3-EF53-9A83333061E0}"/>
               </a:ext>
             </a:extLst>
           </p:cNvPr>
@@ -11061,62 +11398,19 @@
             <p:ph idx="1"/>
           </p:nvPr>
         </p:nvSpPr>
-        <p:spPr/>
+        <p:spPr>
+          <a:xfrm>
+            <a:off x="166682" y="1045391"/>
+            <a:ext cx="10567994" cy="778828"/>
+          </a:xfrm>
+        </p:spPr>
         <p:txBody>
           <a:bodyPr/>
           <a:lstStyle/>
           <a:p>
             <a:r>
               <a:rPr lang="en-US" dirty="0"/>
-              <a:t>Detection of segmented clusters from LIDAR data is done using traditional machine learning algorithms as well as deep learning</a:t>
-            </a:r>
-          </a:p>
-          <a:p>
-            <a:r>
-              <a:rPr lang="en-US" dirty="0"/>
-              <a:t>Detection from images (camera data)</a:t>
-            </a:r>
-          </a:p>
-          <a:p>
-            <a:pPr lvl="1"/>
-            <a:r>
-              <a:rPr lang="en-US" dirty="0"/>
-              <a:t>Lane line marking detection</a:t>
-            </a:r>
-          </a:p>
-          <a:p>
-            <a:pPr lvl="1"/>
-            <a:r>
-              <a:rPr lang="en-US" dirty="0"/>
-              <a:t>Drivable path detection</a:t>
-            </a:r>
-          </a:p>
-          <a:p>
-            <a:pPr lvl="1"/>
-            <a:r>
-              <a:rPr lang="en-US" dirty="0"/>
-              <a:t>Object detection</a:t>
-            </a:r>
-          </a:p>
-          <a:p>
-            <a:pPr lvl="1"/>
-            <a:r>
-              <a:rPr lang="en-US" dirty="0"/>
-              <a:t>Distances to obstacles</a:t>
-            </a:r>
-          </a:p>
-          <a:p>
-            <a:pPr lvl="1"/>
-            <a:r>
-              <a:rPr lang="en-US" dirty="0"/>
-              <a:t>Semantic segmentation</a:t>
-            </a:r>
-          </a:p>
-          <a:p>
-            <a:pPr lvl="1"/>
-            <a:r>
-              <a:rPr lang="en-US" dirty="0"/>
-              <a:t>Scenario identification</a:t>
+              <a:t>Solid-state LiDAR : cheaper/smaller than mechanical LiDAR</a:t>
             </a:r>
           </a:p>
         </p:txBody>
@@ -11126,7 +11420,7 @@
           <p:cNvPr id="3" name="Title 2">
             <a:extLst>
               <a:ext uri="{FF2B5EF4-FFF2-40B4-BE49-F238E27FC236}">
-                <a16:creationId xmlns:a16="http://schemas.microsoft.com/office/drawing/2014/main" id="{7E3A1EA6-B75D-44B4-B21A-9C6CEECB8723}"/>
+                <a16:creationId xmlns:a16="http://schemas.microsoft.com/office/drawing/2014/main" id="{8A2D6186-6BFB-A724-B293-27660A5E8253}"/>
               </a:ext>
             </a:extLst>
           </p:cNvPr>
@@ -11144,7 +11438,7 @@
           <a:p>
             <a:r>
               <a:rPr lang="en-US" dirty="0"/>
-              <a:t>Detection algorithms for video/spatial data</a:t>
+              <a:t>Shift to solid-state LiDAR</a:t>
             </a:r>
           </a:p>
         </p:txBody>
@@ -11154,7 +11448,7 @@
           <p:cNvPr id="4" name="Slide Number Placeholder 3">
             <a:extLst>
               <a:ext uri="{FF2B5EF4-FFF2-40B4-BE49-F238E27FC236}">
-                <a16:creationId xmlns:a16="http://schemas.microsoft.com/office/drawing/2014/main" id="{6E4C938D-54AE-464C-BE2F-2754B2A1DB58}"/>
+                <a16:creationId xmlns:a16="http://schemas.microsoft.com/office/drawing/2014/main" id="{8D0D3BC7-5288-8517-4C8A-CD9C779F862E}"/>
               </a:ext>
             </a:extLst>
           </p:cNvPr>
@@ -11179,10 +11473,40 @@
           </a:p>
         </p:txBody>
       </p:sp>
+      <p:pic>
+        <p:nvPicPr>
+          <p:cNvPr id="5" name="Picture 4">
+            <a:extLst>
+              <a:ext uri="{FF2B5EF4-FFF2-40B4-BE49-F238E27FC236}">
+                <a16:creationId xmlns:a16="http://schemas.microsoft.com/office/drawing/2014/main" id="{C3B9E47E-AA2D-2378-1A86-80D994E01D2F}"/>
+              </a:ext>
+            </a:extLst>
+          </p:cNvPr>
+          <p:cNvPicPr>
+            <a:picLocks noChangeAspect="1"/>
+          </p:cNvPicPr>
+          <p:nvPr/>
+        </p:nvPicPr>
+        <p:blipFill>
+          <a:blip r:embed="rId2"/>
+          <a:stretch>
+            <a:fillRect/>
+          </a:stretch>
+        </p:blipFill>
+        <p:spPr>
+          <a:xfrm>
+            <a:off x="2035967" y="1710205"/>
+            <a:ext cx="6829424" cy="3835704"/>
+          </a:xfrm>
+          <a:prstGeom prst="rect">
+            <a:avLst/>
+          </a:prstGeom>
+        </p:spPr>
+      </p:pic>
     </p:spTree>
     <p:extLst>
       <p:ext uri="{BB962C8B-B14F-4D97-AF65-F5344CB8AC3E}">
-        <p14:creationId xmlns:p14="http://schemas.microsoft.com/office/powerpoint/2010/main" val="702246366"/>
+        <p14:creationId xmlns:p14="http://schemas.microsoft.com/office/powerpoint/2010/main" val="311801897"/>
       </p:ext>
     </p:extLst>
   </p:cSld>
